--- a/FaceTracking_Course/FaceMesh_Edit.pptx
+++ b/FaceTracking_Course/FaceMesh_Edit.pptx
@@ -9,6 +9,7 @@
     <p:sldId id="259" r:id="rId3"/>
     <p:sldId id="260" r:id="rId4"/>
     <p:sldId id="261" r:id="rId5"/>
+    <p:sldId id="262" r:id="rId6"/>
   </p:sldIdLst>
   <p:sldSz cx="12192000" cy="6858000"/>
   <p:notesSz cx="6858000" cy="9144000"/>
@@ -5269,6 +5270,349 @@
 </p:sld>
 </file>
 
+<file path=ppt/slides/slide5.xml><?xml version="1.0" encoding="utf-8"?>
+<p:sld xmlns:a="http://schemas.openxmlformats.org/drawingml/2006/main" xmlns:r="http://schemas.openxmlformats.org/officeDocument/2006/relationships" xmlns:p="http://schemas.openxmlformats.org/presentationml/2006/main">
+  <p:cSld>
+    <p:spTree>
+      <p:nvGrpSpPr>
+        <p:cNvPr id="1" name=""/>
+        <p:cNvGrpSpPr/>
+        <p:nvPr/>
+      </p:nvGrpSpPr>
+      <p:grpSpPr>
+        <a:xfrm>
+          <a:off x="0" y="0"/>
+          <a:ext cx="0" cy="0"/>
+          <a:chOff x="0" y="0"/>
+          <a:chExt cx="0" cy="0"/>
+        </a:xfrm>
+      </p:grpSpPr>
+      <p:pic>
+        <p:nvPicPr>
+          <p:cNvPr id="6" name="그림 5">
+            <a:extLst>
+              <a:ext uri="{FF2B5EF4-FFF2-40B4-BE49-F238E27FC236}">
+                <a16:creationId xmlns:a16="http://schemas.microsoft.com/office/drawing/2014/main" id="{8DA6907C-382A-437A-BD49-214DB348843A}"/>
+              </a:ext>
+            </a:extLst>
+          </p:cNvPr>
+          <p:cNvPicPr>
+            <a:picLocks noChangeAspect="1"/>
+          </p:cNvPicPr>
+          <p:nvPr/>
+        </p:nvPicPr>
+        <p:blipFill>
+          <a:blip r:embed="rId2">
+            <a:clrChange>
+              <a:clrFrom>
+                <a:srgbClr val="D3D3D3"/>
+              </a:clrFrom>
+              <a:clrTo>
+                <a:srgbClr val="D3D3D3">
+                  <a:alpha val="0"/>
+                </a:srgbClr>
+              </a:clrTo>
+            </a:clrChange>
+            <a:extLst>
+              <a:ext uri="{28A0092B-C50C-407E-A947-70E740481C1C}">
+                <a14:useLocalDpi xmlns:a14="http://schemas.microsoft.com/office/drawing/2010/main" val="0"/>
+              </a:ext>
+            </a:extLst>
+          </a:blip>
+          <a:stretch>
+            <a:fillRect/>
+          </a:stretch>
+        </p:blipFill>
+        <p:spPr>
+          <a:xfrm>
+            <a:off x="2667000" y="0"/>
+            <a:ext cx="6858000" cy="6858000"/>
+          </a:xfrm>
+          <a:prstGeom prst="rect">
+            <a:avLst/>
+          </a:prstGeom>
+        </p:spPr>
+      </p:pic>
+      <p:sp>
+        <p:nvSpPr>
+          <p:cNvPr id="8" name="직사각형 7">
+            <a:extLst>
+              <a:ext uri="{FF2B5EF4-FFF2-40B4-BE49-F238E27FC236}">
+                <a16:creationId xmlns:a16="http://schemas.microsoft.com/office/drawing/2014/main" id="{D9EA1834-CAA6-4BD4-B088-BA9B25F3A3BE}"/>
+              </a:ext>
+            </a:extLst>
+          </p:cNvPr>
+          <p:cNvSpPr/>
+          <p:nvPr/>
+        </p:nvSpPr>
+        <p:spPr>
+          <a:xfrm>
+            <a:off x="2666999" y="-8466"/>
+            <a:ext cx="6857999" cy="6858000"/>
+          </a:xfrm>
+          <a:prstGeom prst="rect">
+            <a:avLst/>
+          </a:prstGeom>
+          <a:noFill/>
+          <a:ln w="76200">
+            <a:solidFill>
+              <a:schemeClr val="tx1"/>
+            </a:solidFill>
+          </a:ln>
+        </p:spPr>
+        <p:style>
+          <a:lnRef idx="2">
+            <a:schemeClr val="accent1">
+              <a:shade val="50000"/>
+            </a:schemeClr>
+          </a:lnRef>
+          <a:fillRef idx="1">
+            <a:schemeClr val="accent1"/>
+          </a:fillRef>
+          <a:effectRef idx="0">
+            <a:schemeClr val="accent1"/>
+          </a:effectRef>
+          <a:fontRef idx="minor">
+            <a:schemeClr val="lt1"/>
+          </a:fontRef>
+        </p:style>
+        <p:txBody>
+          <a:bodyPr rtlCol="0" anchor="ctr"/>
+          <a:lstStyle/>
+          <a:p>
+            <a:pPr algn="ctr"/>
+            <a:endParaRPr lang="ko-KR" altLang="en-US"/>
+          </a:p>
+        </p:txBody>
+      </p:sp>
+      <p:sp>
+        <p:nvSpPr>
+          <p:cNvPr id="10" name="TextBox 9">
+            <a:extLst>
+              <a:ext uri="{FF2B5EF4-FFF2-40B4-BE49-F238E27FC236}">
+                <a16:creationId xmlns:a16="http://schemas.microsoft.com/office/drawing/2014/main" id="{B6A7AB90-3E4E-4CCD-AF6F-65E03494A005}"/>
+              </a:ext>
+            </a:extLst>
+          </p:cNvPr>
+          <p:cNvSpPr txBox="1"/>
+          <p:nvPr/>
+        </p:nvSpPr>
+        <p:spPr>
+          <a:xfrm>
+            <a:off x="0" y="186267"/>
+            <a:ext cx="2565400" cy="646331"/>
+          </a:xfrm>
+          <a:prstGeom prst="rect">
+            <a:avLst/>
+          </a:prstGeom>
+          <a:noFill/>
+        </p:spPr>
+        <p:txBody>
+          <a:bodyPr wrap="square" rtlCol="0">
+            <a:spAutoFit/>
+          </a:bodyPr>
+          <a:lstStyle/>
+          <a:p>
+            <a:pPr algn="just"/>
+            <a:r>
+              <a:rPr lang="ko-KR" altLang="en-US" sz="1200" dirty="0"/>
+              <a:t>얼굴 위치에 맞춰 대상을 배치하고</a:t>
+            </a:r>
+            <a:r>
+              <a:rPr lang="en-US" altLang="ko-KR" sz="1200" dirty="0"/>
+              <a:t>, </a:t>
+            </a:r>
+            <a:r>
+              <a:rPr lang="ko-KR" altLang="en-US" sz="1200" dirty="0"/>
+              <a:t>배치한 대상과 검은 네모를 함께 </a:t>
+            </a:r>
+            <a:r>
+              <a:rPr lang="en-US" altLang="ko-KR" sz="1200" dirty="0" err="1"/>
+              <a:t>png</a:t>
+            </a:r>
+            <a:r>
+              <a:rPr lang="ko-KR" altLang="en-US" sz="1200" dirty="0"/>
+              <a:t>로 저장</a:t>
+            </a:r>
+            <a:r>
+              <a:rPr lang="en-US" altLang="ko-KR" sz="1200" dirty="0"/>
+              <a:t>!</a:t>
+            </a:r>
+            <a:endParaRPr lang="ko-KR" altLang="en-US" sz="1200" dirty="0"/>
+          </a:p>
+        </p:txBody>
+      </p:sp>
+      <p:sp>
+        <p:nvSpPr>
+          <p:cNvPr id="2" name="TextBox 1">
+            <a:extLst>
+              <a:ext uri="{FF2B5EF4-FFF2-40B4-BE49-F238E27FC236}">
+                <a16:creationId xmlns:a16="http://schemas.microsoft.com/office/drawing/2014/main" id="{249E6217-FBC4-4638-9915-55DBE20855A4}"/>
+              </a:ext>
+            </a:extLst>
+          </p:cNvPr>
+          <p:cNvSpPr txBox="1"/>
+          <p:nvPr/>
+        </p:nvSpPr>
+        <p:spPr>
+          <a:xfrm>
+            <a:off x="3476625" y="3477684"/>
+            <a:ext cx="1234633" cy="584775"/>
+          </a:xfrm>
+          <a:prstGeom prst="rect">
+            <a:avLst/>
+          </a:prstGeom>
+          <a:noFill/>
+        </p:spPr>
+        <p:txBody>
+          <a:bodyPr wrap="none" rtlCol="0">
+            <a:spAutoFit/>
+          </a:bodyPr>
+          <a:lstStyle/>
+          <a:p>
+            <a:r>
+              <a:rPr lang="ko-KR" altLang="en-US" sz="3200" dirty="0">
+                <a:solidFill>
+                  <a:schemeClr val="accent1"/>
+                </a:solidFill>
+                <a:effectLst>
+                  <a:outerShdw blurRad="38100" dist="38100" dir="2700000" algn="tl">
+                    <a:srgbClr val="000000">
+                      <a:alpha val="43137"/>
+                    </a:srgbClr>
+                  </a:outerShdw>
+                </a:effectLst>
+                <a:latin typeface="a로케트" panose="02020600000000000000" pitchFamily="18" charset="-127"/>
+                <a:ea typeface="a로케트" panose="02020600000000000000" pitchFamily="18" charset="-127"/>
+              </a:rPr>
+              <a:t>메롱</a:t>
+            </a:r>
+            <a:r>
+              <a:rPr lang="en-US" altLang="ko-KR" sz="3200" dirty="0">
+                <a:solidFill>
+                  <a:schemeClr val="accent1"/>
+                </a:solidFill>
+                <a:effectLst>
+                  <a:outerShdw blurRad="38100" dist="38100" dir="2700000" algn="tl">
+                    <a:srgbClr val="000000">
+                      <a:alpha val="43137"/>
+                    </a:srgbClr>
+                  </a:outerShdw>
+                </a:effectLst>
+                <a:latin typeface="a로케트" panose="02020600000000000000" pitchFamily="18" charset="-127"/>
+                <a:ea typeface="a로케트" panose="02020600000000000000" pitchFamily="18" charset="-127"/>
+              </a:rPr>
+              <a:t>~</a:t>
+            </a:r>
+            <a:endParaRPr lang="ko-KR" altLang="en-US" sz="3200" dirty="0">
+              <a:solidFill>
+                <a:schemeClr val="accent1"/>
+              </a:solidFill>
+              <a:effectLst>
+                <a:outerShdw blurRad="38100" dist="38100" dir="2700000" algn="tl">
+                  <a:srgbClr val="000000">
+                    <a:alpha val="43137"/>
+                  </a:srgbClr>
+                </a:outerShdw>
+              </a:effectLst>
+              <a:latin typeface="a로케트" panose="02020600000000000000" pitchFamily="18" charset="-127"/>
+              <a:ea typeface="a로케트" panose="02020600000000000000" pitchFamily="18" charset="-127"/>
+            </a:endParaRPr>
+          </a:p>
+        </p:txBody>
+      </p:sp>
+      <p:sp>
+        <p:nvSpPr>
+          <p:cNvPr id="9" name="TextBox 8">
+            <a:extLst>
+              <a:ext uri="{FF2B5EF4-FFF2-40B4-BE49-F238E27FC236}">
+                <a16:creationId xmlns:a16="http://schemas.microsoft.com/office/drawing/2014/main" id="{710457E5-E5DA-4120-B330-06D00E22BAE6}"/>
+              </a:ext>
+            </a:extLst>
+          </p:cNvPr>
+          <p:cNvSpPr txBox="1"/>
+          <p:nvPr/>
+        </p:nvSpPr>
+        <p:spPr>
+          <a:xfrm>
+            <a:off x="7673049" y="3477684"/>
+            <a:ext cx="1234633" cy="584775"/>
+          </a:xfrm>
+          <a:prstGeom prst="rect">
+            <a:avLst/>
+          </a:prstGeom>
+          <a:noFill/>
+        </p:spPr>
+        <p:txBody>
+          <a:bodyPr wrap="none" rtlCol="0">
+            <a:spAutoFit/>
+          </a:bodyPr>
+          <a:lstStyle/>
+          <a:p>
+            <a:r>
+              <a:rPr lang="ko-KR" altLang="en-US" sz="3200" dirty="0">
+                <a:solidFill>
+                  <a:schemeClr val="accent1"/>
+                </a:solidFill>
+                <a:effectLst>
+                  <a:outerShdw blurRad="38100" dist="38100" dir="2700000" algn="tl">
+                    <a:srgbClr val="000000">
+                      <a:alpha val="43137"/>
+                    </a:srgbClr>
+                  </a:outerShdw>
+                </a:effectLst>
+                <a:latin typeface="a로케트" panose="02020600000000000000" pitchFamily="18" charset="-127"/>
+                <a:ea typeface="a로케트" panose="02020600000000000000" pitchFamily="18" charset="-127"/>
+              </a:rPr>
+              <a:t>메롱</a:t>
+            </a:r>
+            <a:r>
+              <a:rPr lang="en-US" altLang="ko-KR" sz="3200" dirty="0">
+                <a:solidFill>
+                  <a:schemeClr val="accent1"/>
+                </a:solidFill>
+                <a:effectLst>
+                  <a:outerShdw blurRad="38100" dist="38100" dir="2700000" algn="tl">
+                    <a:srgbClr val="000000">
+                      <a:alpha val="43137"/>
+                    </a:srgbClr>
+                  </a:outerShdw>
+                </a:effectLst>
+                <a:latin typeface="a로케트" panose="02020600000000000000" pitchFamily="18" charset="-127"/>
+                <a:ea typeface="a로케트" panose="02020600000000000000" pitchFamily="18" charset="-127"/>
+              </a:rPr>
+              <a:t>~</a:t>
+            </a:r>
+            <a:endParaRPr lang="ko-KR" altLang="en-US" sz="3200" dirty="0">
+              <a:solidFill>
+                <a:schemeClr val="accent1"/>
+              </a:solidFill>
+              <a:effectLst>
+                <a:outerShdw blurRad="38100" dist="38100" dir="2700000" algn="tl">
+                  <a:srgbClr val="000000">
+                    <a:alpha val="43137"/>
+                  </a:srgbClr>
+                </a:outerShdw>
+              </a:effectLst>
+              <a:latin typeface="a로케트" panose="02020600000000000000" pitchFamily="18" charset="-127"/>
+              <a:ea typeface="a로케트" panose="02020600000000000000" pitchFamily="18" charset="-127"/>
+            </a:endParaRPr>
+          </a:p>
+        </p:txBody>
+      </p:sp>
+    </p:spTree>
+    <p:extLst>
+      <p:ext uri="{BB962C8B-B14F-4D97-AF65-F5344CB8AC3E}">
+        <p14:creationId xmlns:p14="http://schemas.microsoft.com/office/powerpoint/2010/main" val="2135613408"/>
+      </p:ext>
+    </p:extLst>
+  </p:cSld>
+  <p:clrMapOvr>
+    <a:masterClrMapping/>
+  </p:clrMapOvr>
+</p:sld>
+</file>
+
 <file path=ppt/theme/theme1.xml><?xml version="1.0" encoding="utf-8"?>
 <a:theme xmlns:a="http://schemas.openxmlformats.org/drawingml/2006/main" name="Office 테마">
   <a:themeElements>
